--- a/web.pptx
+++ b/web.pptx
@@ -4054,6 +4054,13 @@
   <p:clrMapOvr>
     <a:masterClrMapping/>
   </p:clrMapOvr>
+  <p:timing>
+    <p:tnLst>
+      <p:par>
+        <p:cTn id="1" dur="indefinite" restart="never" nodeType="tmRoot"/>
+      </p:par>
+    </p:tnLst>
+  </p:timing>
 </p:sld>
 </file>
 
@@ -4212,6 +4219,13 @@
   <p:clrMapOvr>
     <a:masterClrMapping/>
   </p:clrMapOvr>
+  <p:timing>
+    <p:tnLst>
+      <p:par>
+        <p:cTn id="1" dur="indefinite" restart="never" nodeType="tmRoot"/>
+      </p:par>
+    </p:tnLst>
+  </p:timing>
 </p:sld>
 </file>
 
@@ -4351,19 +4365,8 @@
                 <a:latin typeface="Times New Roman" pitchFamily="18" charset="0"/>
                 <a:cs typeface="Times New Roman" pitchFamily="18" charset="0"/>
               </a:rPr>
-              <a:t>ри добавлении статьи возможность загрузки </a:t>
-            </a:r>
-            <a:r>
-              <a:rPr lang="ru-RU" b="0" dirty="0" smtClean="0">
-                <a:latin typeface="Times New Roman" pitchFamily="18" charset="0"/>
-                <a:cs typeface="Times New Roman" pitchFamily="18" charset="0"/>
-              </a:rPr>
-              <a:t>изображений;</a:t>
-            </a:r>
-            <a:endParaRPr lang="ru-RU" b="0" dirty="0" smtClean="0">
-              <a:latin typeface="Times New Roman" pitchFamily="18" charset="0"/>
-              <a:cs typeface="Times New Roman" pitchFamily="18" charset="0"/>
-            </a:endParaRPr>
+              <a:t>ри добавлении статьи возможность загрузки изображений;</a:t>
+            </a:r>
           </a:p>
           <a:p>
             <a:pPr marL="457200" indent="-457200">
@@ -4390,10 +4393,6 @@
               </a:rPr>
               <a:t>музыкальные файлы</a:t>
             </a:r>
-            <a:endParaRPr lang="ru-RU" b="0" dirty="0" smtClean="0">
-              <a:latin typeface="Times New Roman" pitchFamily="18" charset="0"/>
-              <a:cs typeface="Times New Roman" pitchFamily="18" charset="0"/>
-            </a:endParaRPr>
           </a:p>
           <a:p>
             <a:endParaRPr lang="ru-RU" dirty="0" smtClean="0"/>
@@ -4494,21 +4493,7 @@
                 <a:latin typeface="Times New Roman" pitchFamily="18" charset="0"/>
                 <a:cs typeface="Times New Roman" pitchFamily="18" charset="0"/>
               </a:rPr>
-              <a:t>обрала информацию </a:t>
-            </a:r>
-            <a:r>
-              <a:rPr lang="ru-RU" sz="2400" b="0" dirty="0" smtClean="0">
-                <a:latin typeface="Times New Roman" pitchFamily="18" charset="0"/>
-                <a:cs typeface="Times New Roman" pitchFamily="18" charset="0"/>
-              </a:rPr>
-              <a:t>о </a:t>
-            </a:r>
-            <a:r>
-              <a:rPr lang="ru-RU" sz="2400" b="0" dirty="0" smtClean="0">
-                <a:latin typeface="Times New Roman" pitchFamily="18" charset="0"/>
-                <a:cs typeface="Times New Roman" pitchFamily="18" charset="0"/>
-              </a:rPr>
-              <a:t>композиторах и музыкальных инструментах;</a:t>
+              <a:t>обрала информацию о композиторах и музыкальных инструментах;</a:t>
             </a:r>
           </a:p>
           <a:p>
@@ -4535,8 +4520,12 @@
                 <a:latin typeface="Times New Roman" pitchFamily="18" charset="0"/>
                 <a:cs typeface="Times New Roman" pitchFamily="18" charset="0"/>
               </a:rPr>
-              <a:t>сайте;</a:t>
-            </a:r>
+              <a:t>сайте</a:t>
+            </a:r>
+            <a:endParaRPr lang="ru-RU" sz="2400" b="0" dirty="0" smtClean="0">
+              <a:latin typeface="Times New Roman" pitchFamily="18" charset="0"/>
+              <a:cs typeface="Times New Roman" pitchFamily="18" charset="0"/>
+            </a:endParaRPr>
           </a:p>
           <a:p>
             <a:pPr marL="342900" indent="-342900">
@@ -5312,7 +5301,7 @@
       </p:pic>
       <p:pic>
         <p:nvPicPr>
-          <p:cNvPr id="1028" name="Picture 4"/>
+          <p:cNvPr id="3" name="Picture 3"/>
           <p:cNvPicPr>
             <a:picLocks noChangeAspect="1" noChangeArrowheads="1"/>
           </p:cNvPicPr>
@@ -5333,8 +5322,8 @@
         </p:blipFill>
         <p:spPr bwMode="auto">
           <a:xfrm>
-            <a:off x="539552" y="44624"/>
-            <a:ext cx="2498237" cy="2448272"/>
+            <a:off x="678774" y="40457"/>
+            <a:ext cx="2237042" cy="2577925"/>
           </a:xfrm>
           <a:prstGeom prst="rect">
             <a:avLst/>
@@ -5485,7 +5474,7 @@
         </p:blipFill>
         <p:spPr bwMode="auto">
           <a:xfrm>
-            <a:off x="683568" y="1700808"/>
+            <a:off x="611560" y="1673002"/>
             <a:ext cx="4104456" cy="4699137"/>
           </a:xfrm>
           <a:prstGeom prst="rect">
@@ -5600,6 +5589,13 @@
   <p:clrMapOvr>
     <a:masterClrMapping/>
   </p:clrMapOvr>
+  <p:timing>
+    <p:tnLst>
+      <p:par>
+        <p:cTn id="1" dur="indefinite" restart="never" nodeType="tmRoot"/>
+      </p:par>
+    </p:tnLst>
+  </p:timing>
 </p:sld>
 </file>
 
@@ -5632,8 +5628,8 @@
         </p:nvSpPr>
         <p:spPr>
           <a:xfrm>
-            <a:off x="5229474" y="620688"/>
-            <a:ext cx="3000125" cy="576064"/>
+            <a:off x="6300192" y="260648"/>
+            <a:ext cx="2592288" cy="432048"/>
           </a:xfrm>
         </p:spPr>
         <p:txBody>
@@ -5685,7 +5681,7 @@
         </p:blipFill>
         <p:spPr bwMode="auto">
           <a:xfrm>
-            <a:off x="251520" y="548680"/>
+            <a:off x="4832544" y="2780928"/>
             <a:ext cx="4306607" cy="1248916"/>
           </a:xfrm>
           <a:prstGeom prst="rect">
@@ -5749,8 +5745,72 @@
         </p:blipFill>
         <p:spPr bwMode="auto">
           <a:xfrm>
-            <a:off x="1763688" y="2104506"/>
-            <a:ext cx="7003583" cy="4246207"/>
+            <a:off x="38150" y="3870291"/>
+            <a:ext cx="4893890" cy="2967120"/>
+          </a:xfrm>
+          <a:prstGeom prst="rect">
+            <a:avLst/>
+          </a:prstGeom>
+          <a:noFill/>
+          <a:ln>
+            <a:noFill/>
+          </a:ln>
+          <a:effectLst/>
+          <a:extLst>
+            <a:ext uri="{909E8E84-426E-40DD-AFC4-6F175D3DCCD1}">
+              <a14:hiddenFill xmlns:a14="http://schemas.microsoft.com/office/drawing/2010/main">
+                <a:solidFill>
+                  <a:schemeClr val="accent1"/>
+                </a:solidFill>
+              </a14:hiddenFill>
+            </a:ext>
+            <a:ext uri="{91240B29-F687-4F45-9708-019B960494DF}">
+              <a14:hiddenLine xmlns:a14="http://schemas.microsoft.com/office/drawing/2010/main" w="9525">
+                <a:solidFill>
+                  <a:schemeClr val="tx1"/>
+                </a:solidFill>
+                <a:miter lim="800000"/>
+                <a:headEnd/>
+                <a:tailEnd/>
+              </a14:hiddenLine>
+            </a:ext>
+            <a:ext uri="{AF507438-7753-43E0-B8FC-AC1667EBCBE1}">
+              <a14:hiddenEffects xmlns:a14="http://schemas.microsoft.com/office/drawing/2010/main">
+                <a:effectLst>
+                  <a:outerShdw dist="35921" dir="2700000" algn="ctr" rotWithShape="0">
+                    <a:schemeClr val="bg2"/>
+                  </a:outerShdw>
+                </a:effectLst>
+              </a14:hiddenEffects>
+            </a:ext>
+          </a:extLst>
+        </p:spPr>
+      </p:pic>
+      <p:pic>
+        <p:nvPicPr>
+          <p:cNvPr id="5" name="Picture 2"/>
+          <p:cNvPicPr>
+            <a:picLocks noChangeAspect="1" noChangeArrowheads="1"/>
+          </p:cNvPicPr>
+          <p:nvPr/>
+        </p:nvPicPr>
+        <p:blipFill>
+          <a:blip r:embed="rId4" cstate="print">
+            <a:extLst>
+              <a:ext uri="{28A0092B-C50C-407E-A947-70E740481C1C}">
+                <a14:useLocalDpi xmlns:a14="http://schemas.microsoft.com/office/drawing/2010/main" val="0"/>
+              </a:ext>
+            </a:extLst>
+          </a:blip>
+          <a:srcRect/>
+          <a:stretch>
+            <a:fillRect/>
+          </a:stretch>
+        </p:blipFill>
+        <p:spPr bwMode="auto">
+          <a:xfrm>
+            <a:off x="6500" y="23639"/>
+            <a:ext cx="4829864" cy="2829297"/>
           </a:xfrm>
           <a:prstGeom prst="rect">
             <a:avLst/>
@@ -5800,6 +5860,13 @@
   <p:clrMapOvr>
     <a:masterClrMapping/>
   </p:clrMapOvr>
+  <p:timing>
+    <p:tnLst>
+      <p:par>
+        <p:cTn id="1" dur="indefinite" restart="never" nodeType="tmRoot"/>
+      </p:par>
+    </p:tnLst>
+  </p:timing>
 </p:sld>
 </file>
 
@@ -6000,6 +6067,13 @@
   <p:clrMapOvr>
     <a:masterClrMapping/>
   </p:clrMapOvr>
+  <p:timing>
+    <p:tnLst>
+      <p:par>
+        <p:cTn id="1" dur="indefinite" restart="never" nodeType="tmRoot"/>
+      </p:par>
+    </p:tnLst>
+  </p:timing>
 </p:sld>
 </file>
 
@@ -6200,6 +6274,13 @@
   <p:clrMapOvr>
     <a:masterClrMapping/>
   </p:clrMapOvr>
+  <p:timing>
+    <p:tnLst>
+      <p:par>
+        <p:cTn id="1" dur="indefinite" restart="never" nodeType="tmRoot"/>
+      </p:par>
+    </p:tnLst>
+  </p:timing>
 </p:sld>
 </file>
 
@@ -6222,7 +6303,7 @@
       </p:grpSpPr>
       <p:pic>
         <p:nvPicPr>
-          <p:cNvPr id="3" name="Picture 2"/>
+          <p:cNvPr id="3074" name="Picture 2"/>
           <p:cNvPicPr>
             <a:picLocks noChangeAspect="1" noChangeArrowheads="1"/>
           </p:cNvPicPr>
@@ -6243,8 +6324,8 @@
         </p:blipFill>
         <p:spPr bwMode="auto">
           <a:xfrm>
-            <a:off x="34305" y="4653136"/>
-            <a:ext cx="8795767" cy="1502177"/>
+            <a:off x="0" y="4869160"/>
+            <a:ext cx="9049891" cy="1635756"/>
           </a:xfrm>
           <a:prstGeom prst="rect">
             <a:avLst/>
@@ -6286,7 +6367,7 @@
       </p:pic>
       <p:pic>
         <p:nvPicPr>
-          <p:cNvPr id="4" name="Picture 2"/>
+          <p:cNvPr id="3075" name="Picture 3"/>
           <p:cNvPicPr>
             <a:picLocks noChangeAspect="1" noChangeArrowheads="1"/>
           </p:cNvPicPr>
@@ -6307,8 +6388,8 @@
         </p:blipFill>
         <p:spPr bwMode="auto">
           <a:xfrm>
-            <a:off x="1475656" y="260648"/>
-            <a:ext cx="6588925" cy="3960440"/>
+            <a:off x="827584" y="285056"/>
+            <a:ext cx="7746925" cy="4608512"/>
           </a:xfrm>
           <a:prstGeom prst="rect">
             <a:avLst/>
@@ -6358,6 +6439,13 @@
   <p:clrMapOvr>
     <a:masterClrMapping/>
   </p:clrMapOvr>
+  <p:timing>
+    <p:tnLst>
+      <p:par>
+        <p:cTn id="1" dur="indefinite" restart="never" nodeType="tmRoot"/>
+      </p:par>
+    </p:tnLst>
+  </p:timing>
 </p:sld>
 </file>
 

--- a/web.pptx
+++ b/web.pptx
@@ -203,7 +203,7 @@
           <a:p>
             <a:fld id="{7176E08C-E9C8-496D-8AAF-3131852296CB}" type="datetimeFigureOut">
               <a:rPr lang="ru-RU" smtClean="0"/>
-              <a:t>14.04.2024</a:t>
+              <a:t>16.04.2024</a:t>
             </a:fld>
             <a:endParaRPr lang="ru-RU"/>
           </a:p>
@@ -665,7 +665,7 @@
             <a:fld id="{10370EA2-13B7-42A7-A673-EF2F56E4A305}" type="datetimeFigureOut">
               <a:rPr lang="ru-RU" smtClean="0"/>
               <a:pPr/>
-              <a:t>14.04.2024</a:t>
+              <a:t>16.04.2024</a:t>
             </a:fld>
             <a:endParaRPr lang="ru-RU"/>
           </a:p>
@@ -932,7 +932,7 @@
             <a:fld id="{10370EA2-13B7-42A7-A673-EF2F56E4A305}" type="datetimeFigureOut">
               <a:rPr lang="ru-RU" smtClean="0"/>
               <a:pPr/>
-              <a:t>14.04.2024</a:t>
+              <a:t>16.04.2024</a:t>
             </a:fld>
             <a:endParaRPr lang="ru-RU"/>
           </a:p>
@@ -1109,7 +1109,7 @@
             <a:fld id="{10370EA2-13B7-42A7-A673-EF2F56E4A305}" type="datetimeFigureOut">
               <a:rPr lang="ru-RU" smtClean="0"/>
               <a:pPr/>
-              <a:t>14.04.2024</a:t>
+              <a:t>16.04.2024</a:t>
             </a:fld>
             <a:endParaRPr lang="ru-RU"/>
           </a:p>
@@ -1276,7 +1276,7 @@
             <a:fld id="{10370EA2-13B7-42A7-A673-EF2F56E4A305}" type="datetimeFigureOut">
               <a:rPr lang="ru-RU" smtClean="0"/>
               <a:pPr/>
-              <a:t>14.04.2024</a:t>
+              <a:t>16.04.2024</a:t>
             </a:fld>
             <a:endParaRPr lang="ru-RU"/>
           </a:p>
@@ -1527,7 +1527,7 @@
             <a:fld id="{10370EA2-13B7-42A7-A673-EF2F56E4A305}" type="datetimeFigureOut">
               <a:rPr lang="ru-RU" smtClean="0"/>
               <a:pPr/>
-              <a:t>14.04.2024</a:t>
+              <a:t>16.04.2024</a:t>
             </a:fld>
             <a:endParaRPr lang="ru-RU"/>
           </a:p>
@@ -1812,7 +1812,7 @@
             <a:fld id="{10370EA2-13B7-42A7-A673-EF2F56E4A305}" type="datetimeFigureOut">
               <a:rPr lang="ru-RU" smtClean="0"/>
               <a:pPr/>
-              <a:t>14.04.2024</a:t>
+              <a:t>16.04.2024</a:t>
             </a:fld>
             <a:endParaRPr lang="ru-RU"/>
           </a:p>
@@ -2253,7 +2253,7 @@
             <a:fld id="{10370EA2-13B7-42A7-A673-EF2F56E4A305}" type="datetimeFigureOut">
               <a:rPr lang="ru-RU" smtClean="0"/>
               <a:pPr/>
-              <a:t>14.04.2024</a:t>
+              <a:t>16.04.2024</a:t>
             </a:fld>
             <a:endParaRPr lang="ru-RU"/>
           </a:p>
@@ -2368,7 +2368,7 @@
             <a:fld id="{10370EA2-13B7-42A7-A673-EF2F56E4A305}" type="datetimeFigureOut">
               <a:rPr lang="ru-RU" smtClean="0"/>
               <a:pPr/>
-              <a:t>14.04.2024</a:t>
+              <a:t>16.04.2024</a:t>
             </a:fld>
             <a:endParaRPr lang="ru-RU"/>
           </a:p>
@@ -2460,7 +2460,7 @@
             <a:fld id="{10370EA2-13B7-42A7-A673-EF2F56E4A305}" type="datetimeFigureOut">
               <a:rPr lang="ru-RU" smtClean="0"/>
               <a:pPr/>
-              <a:t>14.04.2024</a:t>
+              <a:t>16.04.2024</a:t>
             </a:fld>
             <a:endParaRPr lang="ru-RU"/>
           </a:p>
@@ -2704,7 +2704,7 @@
             <a:fld id="{10370EA2-13B7-42A7-A673-EF2F56E4A305}" type="datetimeFigureOut">
               <a:rPr lang="ru-RU" smtClean="0"/>
               <a:pPr/>
-              <a:t>14.04.2024</a:t>
+              <a:t>16.04.2024</a:t>
             </a:fld>
             <a:endParaRPr lang="ru-RU"/>
           </a:p>
@@ -3000,7 +3000,7 @@
             <a:fld id="{10370EA2-13B7-42A7-A673-EF2F56E4A305}" type="datetimeFigureOut">
               <a:rPr lang="ru-RU" smtClean="0"/>
               <a:pPr/>
-              <a:t>14.04.2024</a:t>
+              <a:t>16.04.2024</a:t>
             </a:fld>
             <a:endParaRPr lang="ru-RU"/>
           </a:p>
@@ -3296,7 +3296,7 @@
             <a:fld id="{10370EA2-13B7-42A7-A673-EF2F56E4A305}" type="datetimeFigureOut">
               <a:rPr lang="ru-RU" smtClean="0"/>
               <a:pPr/>
-              <a:t>14.04.2024</a:t>
+              <a:t>16.04.2024</a:t>
             </a:fld>
             <a:endParaRPr lang="ru-RU"/>
           </a:p>
@@ -4319,7 +4319,7 @@
         </p:spPr>
         <p:txBody>
           <a:bodyPr>
-            <a:normAutofit lnSpcReduction="10000"/>
+            <a:normAutofit fontScale="92500" lnSpcReduction="10000"/>
           </a:bodyPr>
           <a:lstStyle/>
           <a:p>
@@ -4414,13 +4414,13 @@
         </p:nvSpPr>
         <p:spPr>
           <a:xfrm>
-            <a:off x="539552" y="908720"/>
-            <a:ext cx="6552728" cy="2448272"/>
+            <a:off x="467544" y="764704"/>
+            <a:ext cx="6624736" cy="2592288"/>
           </a:xfrm>
         </p:spPr>
         <p:txBody>
           <a:bodyPr>
-            <a:normAutofit lnSpcReduction="10000"/>
+            <a:normAutofit fontScale="92500" lnSpcReduction="10000"/>
           </a:bodyPr>
           <a:lstStyle/>
           <a:p>
@@ -4428,7 +4428,7 @@
               <a:buNone/>
             </a:pPr>
             <a:r>
-              <a:rPr lang="ru-RU" sz="2400" b="0" dirty="0" smtClean="0">
+              <a:rPr lang="ru-RU" b="0" dirty="0" smtClean="0">
                 <a:latin typeface="Times New Roman" pitchFamily="18" charset="0"/>
                 <a:cs typeface="Times New Roman" pitchFamily="18" charset="0"/>
               </a:rPr>
@@ -4441,35 +4441,35 @@
               <a:buChar char="•"/>
             </a:pPr>
             <a:r>
-              <a:rPr lang="ru-RU" sz="2400" b="0" dirty="0" smtClean="0">
+              <a:rPr lang="ru-RU" b="0" dirty="0" smtClean="0">
                 <a:latin typeface="Times New Roman" pitchFamily="18" charset="0"/>
                 <a:cs typeface="Times New Roman" pitchFamily="18" charset="0"/>
               </a:rPr>
               <a:t>повысила </a:t>
             </a:r>
             <a:r>
-              <a:rPr lang="ru-RU" sz="2400" b="0" dirty="0">
+              <a:rPr lang="ru-RU" b="0" dirty="0">
                 <a:latin typeface="Times New Roman" pitchFamily="18" charset="0"/>
                 <a:cs typeface="Times New Roman" pitchFamily="18" charset="0"/>
               </a:rPr>
               <a:t>свои навыки </a:t>
             </a:r>
             <a:r>
-              <a:rPr lang="ru-RU" sz="2400" b="0" dirty="0" smtClean="0">
+              <a:rPr lang="ru-RU" b="0" dirty="0" smtClean="0">
                 <a:latin typeface="Times New Roman" pitchFamily="18" charset="0"/>
                 <a:cs typeface="Times New Roman" pitchFamily="18" charset="0"/>
               </a:rPr>
               <a:t>во </a:t>
             </a:r>
             <a:r>
-              <a:rPr lang="en-US" sz="2400" b="0" dirty="0" smtClean="0">
+              <a:rPr lang="en-US" b="0" dirty="0" smtClean="0">
                 <a:latin typeface="Times New Roman" pitchFamily="18" charset="0"/>
                 <a:cs typeface="Times New Roman" pitchFamily="18" charset="0"/>
               </a:rPr>
               <a:t>Flask</a:t>
             </a:r>
             <a:r>
-              <a:rPr lang="ru-RU" sz="2400" b="0" dirty="0" smtClean="0">
+              <a:rPr lang="ru-RU" b="0" dirty="0" smtClean="0">
                 <a:latin typeface="Times New Roman" pitchFamily="18" charset="0"/>
                 <a:cs typeface="Times New Roman" pitchFamily="18" charset="0"/>
               </a:rPr>
@@ -4482,14 +4482,14 @@
               <a:buChar char="•"/>
             </a:pPr>
             <a:r>
-              <a:rPr lang="ru-RU" sz="2400" b="0" dirty="0">
+              <a:rPr lang="ru-RU" b="0" dirty="0">
                 <a:latin typeface="Times New Roman" pitchFamily="18" charset="0"/>
                 <a:cs typeface="Times New Roman" pitchFamily="18" charset="0"/>
               </a:rPr>
               <a:t>с</a:t>
             </a:r>
             <a:r>
-              <a:rPr lang="ru-RU" sz="2400" b="0" dirty="0" smtClean="0">
+              <a:rPr lang="ru-RU" b="0" dirty="0" smtClean="0">
                 <a:latin typeface="Times New Roman" pitchFamily="18" charset="0"/>
                 <a:cs typeface="Times New Roman" pitchFamily="18" charset="0"/>
               </a:rPr>
@@ -4502,30 +4502,19 @@
               <a:buChar char="•"/>
             </a:pPr>
             <a:r>
-              <a:rPr lang="ru-RU" sz="2400" b="0" dirty="0">
+              <a:rPr lang="ru-RU" b="0" dirty="0">
                 <a:latin typeface="Times New Roman" pitchFamily="18" charset="0"/>
                 <a:cs typeface="Times New Roman" pitchFamily="18" charset="0"/>
               </a:rPr>
               <a:t>н</a:t>
             </a:r>
             <a:r>
-              <a:rPr lang="ru-RU" sz="2400" b="0" dirty="0" smtClean="0">
+              <a:rPr lang="ru-RU" b="0" dirty="0" smtClean="0">
                 <a:latin typeface="Times New Roman" pitchFamily="18" charset="0"/>
                 <a:cs typeface="Times New Roman" pitchFamily="18" charset="0"/>
               </a:rPr>
-              <a:t>аучилась использовать звуки в </a:t>
-            </a:r>
-            <a:r>
-              <a:rPr lang="ru-RU" sz="2400" b="0" dirty="0" smtClean="0">
-                <a:latin typeface="Times New Roman" pitchFamily="18" charset="0"/>
-                <a:cs typeface="Times New Roman" pitchFamily="18" charset="0"/>
-              </a:rPr>
-              <a:t>сайте</a:t>
-            </a:r>
-            <a:endParaRPr lang="ru-RU" sz="2400" b="0" dirty="0" smtClean="0">
-              <a:latin typeface="Times New Roman" pitchFamily="18" charset="0"/>
-              <a:cs typeface="Times New Roman" pitchFamily="18" charset="0"/>
-            </a:endParaRPr>
+              <a:t>аучилась использовать звуки в сайте</a:t>
+            </a:r>
           </a:p>
           <a:p>
             <a:pPr marL="342900" indent="-342900">
@@ -4608,8 +4597,8 @@
         </p:nvSpPr>
         <p:spPr>
           <a:xfrm>
-            <a:off x="539552" y="620688"/>
-            <a:ext cx="7704856" cy="1512168"/>
+            <a:off x="4932040" y="404664"/>
+            <a:ext cx="3888432" cy="1440160"/>
           </a:xfrm>
         </p:spPr>
         <p:txBody>
@@ -4619,7 +4608,7 @@
           <a:lstStyle/>
           <a:p>
             <a:r>
-              <a:rPr lang="ru-RU" dirty="0" smtClean="0">
+              <a:rPr lang="ru-RU" sz="2400" dirty="0" smtClean="0">
                 <a:solidFill>
                   <a:schemeClr val="tx1"/>
                 </a:solidFill>
@@ -4651,13 +4640,13 @@
         </p:nvSpPr>
         <p:spPr>
           <a:xfrm>
-            <a:off x="1115616" y="3284984"/>
-            <a:ext cx="4464496" cy="3051808"/>
+            <a:off x="1115616" y="2852936"/>
+            <a:ext cx="4464496" cy="3483856"/>
           </a:xfrm>
         </p:spPr>
         <p:txBody>
           <a:bodyPr>
-            <a:normAutofit fontScale="92500" lnSpcReduction="10000"/>
+            <a:normAutofit/>
           </a:bodyPr>
           <a:lstStyle/>
           <a:p>
@@ -4807,13 +4796,13 @@
         </p:nvSpPr>
         <p:spPr>
           <a:xfrm>
-            <a:off x="899592" y="2348880"/>
-            <a:ext cx="7348296" cy="936103"/>
+            <a:off x="827584" y="1772816"/>
+            <a:ext cx="7420304" cy="1512167"/>
           </a:xfrm>
         </p:spPr>
         <p:txBody>
           <a:bodyPr>
-            <a:normAutofit fontScale="92500" lnSpcReduction="10000"/>
+            <a:normAutofit/>
           </a:bodyPr>
           <a:lstStyle/>
           <a:p>
@@ -5050,14 +5039,8 @@
                 <a:latin typeface="Times New Roman" pitchFamily="18" charset="0"/>
                 <a:cs typeface="Times New Roman" pitchFamily="18" charset="0"/>
               </a:rPr>
-              <a:t>Создать(статью);</a:t>
-            </a:r>
-          </a:p>
-          <a:p>
-            <a:pPr marL="342900" lvl="0" indent="-342900">
-              <a:buFont typeface="Arial" pitchFamily="34" charset="0"/>
-              <a:buChar char="•"/>
-            </a:pPr>
+              <a:t>Изменить </a:t>
+            </a:r>
             <a:r>
               <a:rPr lang="ru-RU" dirty="0" smtClean="0">
                 <a:solidFill>
@@ -5066,7 +5049,7 @@
                 <a:latin typeface="Times New Roman" pitchFamily="18" charset="0"/>
                 <a:cs typeface="Times New Roman" pitchFamily="18" charset="0"/>
               </a:rPr>
-              <a:t>Изменить тему</a:t>
+              <a:t>тему</a:t>
             </a:r>
             <a:endParaRPr lang="ru-RU" dirty="0">
               <a:solidFill>
@@ -5169,13 +5152,13 @@
         </p:nvSpPr>
         <p:spPr>
           <a:xfrm>
-            <a:off x="4644008" y="2564904"/>
-            <a:ext cx="3737992" cy="3535859"/>
+            <a:off x="5148064" y="2132856"/>
+            <a:ext cx="3233936" cy="3967907"/>
           </a:xfrm>
         </p:spPr>
         <p:txBody>
           <a:bodyPr>
-            <a:normAutofit lnSpcReduction="10000"/>
+            <a:normAutofit/>
           </a:bodyPr>
           <a:lstStyle/>
           <a:p>
@@ -5184,30 +5167,7 @@
                 <a:latin typeface="Times New Roman" pitchFamily="18" charset="0"/>
                 <a:cs typeface="Times New Roman" pitchFamily="18" charset="0"/>
               </a:rPr>
-              <a:t>User</a:t>
-            </a:r>
-            <a:r>
-              <a:rPr lang="ru-RU" b="0" dirty="0">
-                <a:latin typeface="Times New Roman" pitchFamily="18" charset="0"/>
-                <a:cs typeface="Times New Roman" pitchFamily="18" charset="0"/>
-              </a:rPr>
-              <a:t> </a:t>
-            </a:r>
-            <a:r>
-              <a:rPr lang="ru-RU" b="0" dirty="0" smtClean="0">
-                <a:latin typeface="Times New Roman" pitchFamily="18" charset="0"/>
-                <a:cs typeface="Times New Roman" pitchFamily="18" charset="0"/>
-              </a:rPr>
-              <a:t>– информация о пользователе</a:t>
-            </a:r>
-          </a:p>
-          <a:p>
-            <a:r>
-              <a:rPr lang="en-US" b="0" dirty="0" smtClean="0">
-                <a:latin typeface="Times New Roman" pitchFamily="18" charset="0"/>
-                <a:cs typeface="Times New Roman" pitchFamily="18" charset="0"/>
-              </a:rPr>
-              <a:t>Users </a:t>
+              <a:t>Users.py </a:t>
             </a:r>
             <a:r>
               <a:rPr lang="ru-RU" b="0" dirty="0" smtClean="0">
@@ -5223,7 +5183,7 @@
                 <a:latin typeface="Times New Roman" pitchFamily="18" charset="0"/>
                 <a:cs typeface="Times New Roman" pitchFamily="18" charset="0"/>
               </a:rPr>
-              <a:t>Login </a:t>
+              <a:t>Login.py </a:t>
             </a:r>
             <a:r>
               <a:rPr lang="ru-RU" b="0" dirty="0" smtClean="0">
@@ -5258,7 +5218,7 @@
         </p:blipFill>
         <p:spPr bwMode="auto">
           <a:xfrm>
-            <a:off x="606766" y="2681540"/>
+            <a:off x="2411760" y="1340767"/>
             <a:ext cx="2381058" cy="4131835"/>
           </a:xfrm>
           <a:prstGeom prst="rect">
@@ -5301,7 +5261,7 @@
       </p:pic>
       <p:pic>
         <p:nvPicPr>
-          <p:cNvPr id="3" name="Picture 3"/>
+          <p:cNvPr id="1026" name="Picture 2"/>
           <p:cNvPicPr>
             <a:picLocks noChangeAspect="1" noChangeArrowheads="1"/>
           </p:cNvPicPr>
@@ -5322,8 +5282,8 @@
         </p:blipFill>
         <p:spPr bwMode="auto">
           <a:xfrm>
-            <a:off x="678774" y="40457"/>
-            <a:ext cx="2237042" cy="2577925"/>
+            <a:off x="179512" y="1916831"/>
+            <a:ext cx="2076977" cy="2673337"/>
           </a:xfrm>
           <a:prstGeom prst="rect">
             <a:avLst/>
@@ -5474,8 +5434,8 @@
         </p:blipFill>
         <p:spPr bwMode="auto">
           <a:xfrm>
-            <a:off x="611560" y="1673002"/>
-            <a:ext cx="4104456" cy="4699137"/>
+            <a:off x="467544" y="1652017"/>
+            <a:ext cx="4364063" cy="4996358"/>
           </a:xfrm>
           <a:prstGeom prst="rect">
             <a:avLst/>
@@ -5995,7 +5955,7 @@
       </p:pic>
       <p:pic>
         <p:nvPicPr>
-          <p:cNvPr id="5123" name="Picture 3"/>
+          <p:cNvPr id="2050" name="Picture 2"/>
           <p:cNvPicPr>
             <a:picLocks noChangeAspect="1" noChangeArrowheads="1"/>
           </p:cNvPicPr>
@@ -6016,8 +5976,8 @@
         </p:blipFill>
         <p:spPr bwMode="auto">
           <a:xfrm>
-            <a:off x="3275856" y="1700808"/>
-            <a:ext cx="5755913" cy="4965628"/>
+            <a:off x="3618359" y="1964889"/>
+            <a:ext cx="5540102" cy="4895021"/>
           </a:xfrm>
           <a:prstGeom prst="rect">
             <a:avLst/>

--- a/web.pptx
+++ b/web.pptx
@@ -3918,7 +3918,7 @@
       </p:grpSpPr>
       <p:pic>
         <p:nvPicPr>
-          <p:cNvPr id="1026" name="Picture 2"/>
+          <p:cNvPr id="1027" name="Picture 3"/>
           <p:cNvPicPr>
             <a:picLocks noChangeAspect="1" noChangeArrowheads="1"/>
           </p:cNvPicPr>
@@ -3939,8 +3939,8 @@
         </p:blipFill>
         <p:spPr bwMode="auto">
           <a:xfrm>
-            <a:off x="5333" y="24036"/>
-            <a:ext cx="5028114" cy="3316264"/>
+            <a:off x="3347864" y="3426995"/>
+            <a:ext cx="5613698" cy="3397444"/>
           </a:xfrm>
           <a:prstGeom prst="rect">
             <a:avLst/>
@@ -3982,7 +3982,7 @@
       </p:pic>
       <p:pic>
         <p:nvPicPr>
-          <p:cNvPr id="1027" name="Picture 3"/>
+          <p:cNvPr id="2" name="Picture 2"/>
           <p:cNvPicPr>
             <a:picLocks noChangeAspect="1" noChangeArrowheads="1"/>
           </p:cNvPicPr>
@@ -4003,8 +4003,8 @@
         </p:blipFill>
         <p:spPr bwMode="auto">
           <a:xfrm>
-            <a:off x="3347864" y="3426995"/>
-            <a:ext cx="5613698" cy="3397444"/>
+            <a:off x="31651" y="0"/>
+            <a:ext cx="5764485" cy="3516461"/>
           </a:xfrm>
           <a:prstGeom prst="rect">
             <a:avLst/>
@@ -4319,7 +4319,7 @@
         </p:spPr>
         <p:txBody>
           <a:bodyPr>
-            <a:normAutofit fontScale="92500" lnSpcReduction="10000"/>
+            <a:normAutofit lnSpcReduction="10000"/>
           </a:bodyPr>
           <a:lstStyle/>
           <a:p>
@@ -4420,7 +4420,7 @@
         </p:spPr>
         <p:txBody>
           <a:bodyPr>
-            <a:normAutofit fontScale="92500" lnSpcReduction="10000"/>
+            <a:normAutofit lnSpcReduction="10000"/>
           </a:bodyPr>
           <a:lstStyle/>
           <a:p>
@@ -5039,17 +5039,7 @@
                 <a:latin typeface="Times New Roman" pitchFamily="18" charset="0"/>
                 <a:cs typeface="Times New Roman" pitchFamily="18" charset="0"/>
               </a:rPr>
-              <a:t>Изменить </a:t>
-            </a:r>
-            <a:r>
-              <a:rPr lang="ru-RU" dirty="0" smtClean="0">
-                <a:solidFill>
-                  <a:schemeClr val="tx1"/>
-                </a:solidFill>
-                <a:latin typeface="Times New Roman" pitchFamily="18" charset="0"/>
-                <a:cs typeface="Times New Roman" pitchFamily="18" charset="0"/>
-              </a:rPr>
-              <a:t>тему</a:t>
+              <a:t>Изменить тему</a:t>
             </a:r>
             <a:endParaRPr lang="ru-RU" dirty="0">
               <a:solidFill>
@@ -5891,7 +5881,7 @@
       </p:sp>
       <p:pic>
         <p:nvPicPr>
-          <p:cNvPr id="5122" name="Picture 2"/>
+          <p:cNvPr id="3074" name="Picture 2"/>
           <p:cNvPicPr>
             <a:picLocks noChangeAspect="1" noChangeArrowheads="1"/>
           </p:cNvPicPr>
@@ -5912,8 +5902,8 @@
         </p:blipFill>
         <p:spPr bwMode="auto">
           <a:xfrm>
-            <a:off x="-11782" y="188640"/>
-            <a:ext cx="3953355" cy="2376264"/>
+            <a:off x="0" y="-7615"/>
+            <a:ext cx="4747445" cy="2592288"/>
           </a:xfrm>
           <a:prstGeom prst="rect">
             <a:avLst/>
@@ -5955,7 +5945,7 @@
       </p:pic>
       <p:pic>
         <p:nvPicPr>
-          <p:cNvPr id="2050" name="Picture 2"/>
+          <p:cNvPr id="6" name="Picture 2"/>
           <p:cNvPicPr>
             <a:picLocks noChangeAspect="1" noChangeArrowheads="1"/>
           </p:cNvPicPr>
@@ -5976,8 +5966,8 @@
         </p:blipFill>
         <p:spPr bwMode="auto">
           <a:xfrm>
-            <a:off x="3618359" y="1964889"/>
-            <a:ext cx="5540102" cy="4895021"/>
+            <a:off x="3707903" y="2044008"/>
+            <a:ext cx="5450557" cy="4815902"/>
           </a:xfrm>
           <a:prstGeom prst="rect">
             <a:avLst/>
@@ -6098,7 +6088,7 @@
       </p:sp>
       <p:pic>
         <p:nvPicPr>
-          <p:cNvPr id="6146" name="Picture 2"/>
+          <p:cNvPr id="2050" name="Picture 2"/>
           <p:cNvPicPr>
             <a:picLocks noChangeAspect="1" noChangeArrowheads="1"/>
           </p:cNvPicPr>
@@ -6119,8 +6109,8 @@
         </p:blipFill>
         <p:spPr bwMode="auto">
           <a:xfrm>
-            <a:off x="22869" y="1"/>
-            <a:ext cx="4830039" cy="2924943"/>
+            <a:off x="0" y="1"/>
+            <a:ext cx="5292080" cy="3096008"/>
           </a:xfrm>
           <a:prstGeom prst="rect">
             <a:avLst/>
@@ -6162,7 +6152,7 @@
       </p:pic>
       <p:pic>
         <p:nvPicPr>
-          <p:cNvPr id="6147" name="Picture 3"/>
+          <p:cNvPr id="6" name="Picture 3"/>
           <p:cNvPicPr>
             <a:picLocks noChangeAspect="1" noChangeArrowheads="1"/>
           </p:cNvPicPr>
@@ -6183,7 +6173,7 @@
         </p:blipFill>
         <p:spPr bwMode="auto">
           <a:xfrm>
-            <a:off x="4355976" y="1830879"/>
+            <a:off x="4578422" y="1799278"/>
             <a:ext cx="4565577" cy="5058722"/>
           </a:xfrm>
           <a:prstGeom prst="rect">
